--- a/Topics/2_hyperparameter_optimization/hpo.pptx
+++ b/Topics/2_hyperparameter_optimization/hpo.pptx
@@ -234,7 +234,7 @@
           <a:p>
             <a:fld id="{8080A489-9093-C54A-B1C3-374F661A0010}" type="datetimeFigureOut">
               <a:rPr lang="en-US" smtClean="0"/>
-              <a:t>10/18/2018</a:t>
+              <a:t>10/19/2018</a:t>
             </a:fld>
             <a:endParaRPr lang="en-US"/>
           </a:p>
@@ -23439,7 +23439,7 @@
                 </a:solidFill>
               </a:rPr>
               <a:pPr/>
-              <a:t>10/18/2018</a:t>
+              <a:t>10/19/2018</a:t>
             </a:fld>
             <a:endParaRPr lang="en-US" dirty="0">
               <a:solidFill>
@@ -27009,7 +27009,15 @@
           <a:p>
             <a:r>
               <a:rPr lang="en-US" dirty="0" smtClean="0"/>
-              <a:t>October 16, 2018</a:t>
+              <a:t>October </a:t>
+            </a:r>
+            <a:r>
+              <a:rPr lang="en-US" dirty="0" smtClean="0"/>
+              <a:t>19, </a:t>
+            </a:r>
+            <a:r>
+              <a:rPr lang="en-US" dirty="0" smtClean="0"/>
+              <a:t>2018</a:t>
             </a:r>
             <a:endParaRPr lang="en-US" dirty="0"/>
           </a:p>
@@ -32179,6 +32187,13 @@
       </p:transition>
     </mc:Fallback>
   </mc:AlternateContent>
+  <p:timing>
+    <p:tnLst>
+      <p:par>
+        <p:cTn id="1" dur="indefinite" restart="never" nodeType="tmRoot"/>
+      </p:par>
+    </p:tnLst>
+  </p:timing>
 </p:sld>
 </file>
 
@@ -35138,45 +35153,6 @@
           </a:p>
         </p:txBody>
       </p:sp>
-      <p:cxnSp>
-        <p:nvCxnSpPr>
-          <p:cNvPr id="91" name="Straight Connector 90"/>
-          <p:cNvCxnSpPr/>
-          <p:nvPr/>
-        </p:nvCxnSpPr>
-        <p:spPr>
-          <a:xfrm>
-            <a:off x="5051947" y="4239395"/>
-            <a:ext cx="3874883" cy="0"/>
-          </a:xfrm>
-          <a:prstGeom prst="line">
-            <a:avLst/>
-          </a:prstGeom>
-          <a:ln w="6350">
-            <a:solidFill>
-              <a:schemeClr val="tx1">
-                <a:lumMod val="60000"/>
-                <a:lumOff val="40000"/>
-              </a:schemeClr>
-            </a:solidFill>
-          </a:ln>
-          <a:effectLst/>
-        </p:spPr>
-        <p:style>
-          <a:lnRef idx="2">
-            <a:schemeClr val="accent1"/>
-          </a:lnRef>
-          <a:fillRef idx="0">
-            <a:schemeClr val="accent1"/>
-          </a:fillRef>
-          <a:effectRef idx="1">
-            <a:schemeClr val="accent1"/>
-          </a:effectRef>
-          <a:fontRef idx="minor">
-            <a:schemeClr val="tx1"/>
-          </a:fontRef>
-        </p:style>
-      </p:cxnSp>
       <p:pic>
         <p:nvPicPr>
           <p:cNvPr id="3" name="Picture 2" descr="C:\cygwin\home\wozniak\RD100Awards.png"/>
@@ -35200,7 +35176,7 @@
         </p:blipFill>
         <p:spPr bwMode="auto">
           <a:xfrm>
-            <a:off x="4814362" y="3689833"/>
+            <a:off x="5089204" y="3689833"/>
             <a:ext cx="1276893" cy="1173858"/>
           </a:xfrm>
           <a:prstGeom prst="rect">
@@ -35226,7 +35202,7 @@
         </p:nvSpPr>
         <p:spPr>
           <a:xfrm>
-            <a:off x="4726488" y="4774168"/>
+            <a:off x="5001330" y="4774168"/>
             <a:ext cx="1452642" cy="369332"/>
           </a:xfrm>
           <a:prstGeom prst="rect">
@@ -36800,7 +36776,7 @@
         </p:spPr>
         <p:txBody>
           <a:bodyPr>
-            <a:normAutofit/>
+            <a:normAutofit fontScale="92500" lnSpcReduction="20000"/>
           </a:bodyPr>
           <a:lstStyle/>
           <a:p>
@@ -36882,7 +36858,17 @@
               </a:rPr>
               <a:t>code</a:t>
             </a:r>
-            <a:endParaRPr lang="en-US" sz="1500" b="1" dirty="0">
+          </a:p>
+          <a:p>
+            <a:r>
+              <a:rPr lang="en-US" sz="1500" dirty="0" smtClean="0">
+                <a:solidFill>
+                  <a:srgbClr val="000000"/>
+                </a:solidFill>
+              </a:rPr>
+              <a:t>See http://emews.org</a:t>
+            </a:r>
+            <a:endParaRPr lang="en-US" sz="1500" dirty="0">
               <a:solidFill>
                 <a:srgbClr val="000000"/>
               </a:solidFill>
@@ -44601,8 +44587,13 @@
             <a:pPr lvl="1"/>
             <a:r>
               <a:rPr lang="en-US" dirty="0" smtClean="0"/>
-              <a:t>Workflow-based solution: EMEWS</a:t>
-            </a:r>
+              <a:t>Workflow-based solution: </a:t>
+            </a:r>
+            <a:r>
+              <a:rPr lang="en-US" dirty="0" smtClean="0"/>
+              <a:t>CANDLE/Supervisor</a:t>
+            </a:r>
+            <a:endParaRPr lang="en-US" dirty="0" smtClean="0"/>
           </a:p>
           <a:p>
             <a:pPr lvl="1"/>
@@ -46749,10 +46740,10 @@
                   </a:schemeClr>
                 </a:solidFill>
               </a:rPr>
-              <a:t>. Proc</a:t>
-            </a:r>
-            <a:r>
-              <a:rPr lang="en-US" sz="1400" dirty="0">
+              <a:t>. </a:t>
+            </a:r>
+            <a:r>
+              <a:rPr lang="en-US" sz="1400" dirty="0" smtClean="0">
                 <a:solidFill>
                   <a:schemeClr val="tx1">
                     <a:lumMod val="60000"/>
@@ -46760,18 +46751,7 @@
                   </a:schemeClr>
                 </a:solidFill>
               </a:rPr>
-              <a:t>. </a:t>
-            </a:r>
-            <a:r>
-              <a:rPr lang="en-US" sz="1400" dirty="0" smtClean="0">
-                <a:solidFill>
-                  <a:schemeClr val="tx1">
-                    <a:lumMod val="60000"/>
-                    <a:lumOff val="40000"/>
-                  </a:schemeClr>
-                </a:solidFill>
-              </a:rPr>
-              <a:t>CCGrid, 2016. </a:t>
+              <a:t>Parallel Computing, 2017. </a:t>
             </a:r>
             <a:endParaRPr lang="en-US" sz="1400" dirty="0">
               <a:solidFill>
@@ -47145,13 +47125,18 @@
           </a:p>
           <a:p>
             <a:r>
-              <a:rPr lang="en-US" sz="1400" b="1" dirty="0" smtClean="0"/>
-              <a:t>Plan:</a:t>
-            </a:r>
-            <a:r>
               <a:rPr lang="en-US" sz="1400" dirty="0" smtClean="0"/>
-              <a:t> Integrate Swift/T workflow system used in CANDLE with Mochi client</a:t>
-            </a:r>
+              <a:t>Integrated </a:t>
+            </a:r>
+            <a:r>
+              <a:rPr lang="en-US" sz="1400" dirty="0" smtClean="0"/>
+              <a:t>Swift/T workflow system used in CANDLE with </a:t>
+            </a:r>
+            <a:r>
+              <a:rPr lang="en-US" sz="1400" dirty="0" smtClean="0"/>
+              <a:t>DataSpaces client</a:t>
+            </a:r>
+            <a:endParaRPr lang="en-US" sz="1400" dirty="0" smtClean="0"/>
           </a:p>
           <a:p>
             <a:r>
@@ -47714,8 +47699,13 @@
                   <a:srgbClr val="000000"/>
                 </a:solidFill>
               </a:rPr>
-              <a:t>Mochi Services</a:t>
-            </a:r>
+              <a:t>DataSpaces</a:t>
+            </a:r>
+            <a:endParaRPr lang="en-US" sz="1400" dirty="0" smtClean="0">
+              <a:solidFill>
+                <a:srgbClr val="000000"/>
+              </a:solidFill>
+            </a:endParaRPr>
           </a:p>
         </p:txBody>
       </p:sp>
@@ -48286,8 +48276,22 @@
           <a:p>
             <a:r>
               <a:rPr lang="en-US" dirty="0" smtClean="0"/>
-              <a:t>See the top-level README to get started with the installation</a:t>
-            </a:r>
+              <a:t>See the </a:t>
+            </a:r>
+            <a:r>
+              <a:rPr lang="en-US" dirty="0" smtClean="0"/>
+              <a:t>README </a:t>
+            </a:r>
+            <a:r>
+              <a:rPr lang="en-US" dirty="0" smtClean="0"/>
+              <a:t>to get started with the </a:t>
+            </a:r>
+            <a:r>
+              <a:rPr lang="en-US" dirty="0" smtClean="0"/>
+              <a:t>installation</a:t>
+            </a:r>
+          </a:p>
+          <a:p>
             <a:endParaRPr lang="en-US" dirty="0"/>
           </a:p>
         </p:txBody>
